--- a/Daily Agendas/Day3.3 Displacement2D.pptx
+++ b/Daily Agendas/Day3.3 Displacement2D.pptx
@@ -6,6 +6,7 @@
   </p:sldMasterIdLst>
   <p:sldIdLst>
     <p:sldId id="257" r:id="rId2"/>
+    <p:sldId id="258" r:id="rId3"/>
   </p:sldIdLst>
   <p:sldSz cx="9144000" cy="6858000" type="screen4x3"/>
   <p:notesSz cx="6858000" cy="9144000"/>
@@ -243,7 +244,7 @@
           <a:p>
             <a:fld id="{DBFDDC6D-30E6-4591-A5D6-EBA4A0A375E4}" type="datetimeFigureOut">
               <a:rPr lang="en-US" smtClean="0"/>
-              <a:t>2/18/2020</a:t>
+              <a:t>2/19/2020</a:t>
             </a:fld>
             <a:endParaRPr lang="en-US"/>
           </a:p>
@@ -413,7 +414,7 @@
           <a:p>
             <a:fld id="{DBFDDC6D-30E6-4591-A5D6-EBA4A0A375E4}" type="datetimeFigureOut">
               <a:rPr lang="en-US" smtClean="0"/>
-              <a:t>2/18/2020</a:t>
+              <a:t>2/19/2020</a:t>
             </a:fld>
             <a:endParaRPr lang="en-US"/>
           </a:p>
@@ -593,7 +594,7 @@
           <a:p>
             <a:fld id="{DBFDDC6D-30E6-4591-A5D6-EBA4A0A375E4}" type="datetimeFigureOut">
               <a:rPr lang="en-US" smtClean="0"/>
-              <a:t>2/18/2020</a:t>
+              <a:t>2/19/2020</a:t>
             </a:fld>
             <a:endParaRPr lang="en-US"/>
           </a:p>
@@ -763,7 +764,7 @@
           <a:p>
             <a:fld id="{DBFDDC6D-30E6-4591-A5D6-EBA4A0A375E4}" type="datetimeFigureOut">
               <a:rPr lang="en-US" smtClean="0"/>
-              <a:t>2/18/2020</a:t>
+              <a:t>2/19/2020</a:t>
             </a:fld>
             <a:endParaRPr lang="en-US"/>
           </a:p>
@@ -1007,7 +1008,7 @@
           <a:p>
             <a:fld id="{DBFDDC6D-30E6-4591-A5D6-EBA4A0A375E4}" type="datetimeFigureOut">
               <a:rPr lang="en-US" smtClean="0"/>
-              <a:t>2/18/2020</a:t>
+              <a:t>2/19/2020</a:t>
             </a:fld>
             <a:endParaRPr lang="en-US"/>
           </a:p>
@@ -1239,7 +1240,7 @@
           <a:p>
             <a:fld id="{DBFDDC6D-30E6-4591-A5D6-EBA4A0A375E4}" type="datetimeFigureOut">
               <a:rPr lang="en-US" smtClean="0"/>
-              <a:t>2/18/2020</a:t>
+              <a:t>2/19/2020</a:t>
             </a:fld>
             <a:endParaRPr lang="en-US"/>
           </a:p>
@@ -1606,7 +1607,7 @@
           <a:p>
             <a:fld id="{DBFDDC6D-30E6-4591-A5D6-EBA4A0A375E4}" type="datetimeFigureOut">
               <a:rPr lang="en-US" smtClean="0"/>
-              <a:t>2/18/2020</a:t>
+              <a:t>2/19/2020</a:t>
             </a:fld>
             <a:endParaRPr lang="en-US"/>
           </a:p>
@@ -1724,7 +1725,7 @@
           <a:p>
             <a:fld id="{DBFDDC6D-30E6-4591-A5D6-EBA4A0A375E4}" type="datetimeFigureOut">
               <a:rPr lang="en-US" smtClean="0"/>
-              <a:t>2/18/2020</a:t>
+              <a:t>2/19/2020</a:t>
             </a:fld>
             <a:endParaRPr lang="en-US"/>
           </a:p>
@@ -1819,7 +1820,7 @@
           <a:p>
             <a:fld id="{DBFDDC6D-30E6-4591-A5D6-EBA4A0A375E4}" type="datetimeFigureOut">
               <a:rPr lang="en-US" smtClean="0"/>
-              <a:t>2/18/2020</a:t>
+              <a:t>2/19/2020</a:t>
             </a:fld>
             <a:endParaRPr lang="en-US"/>
           </a:p>
@@ -2096,7 +2097,7 @@
           <a:p>
             <a:fld id="{DBFDDC6D-30E6-4591-A5D6-EBA4A0A375E4}" type="datetimeFigureOut">
               <a:rPr lang="en-US" smtClean="0"/>
-              <a:t>2/18/2020</a:t>
+              <a:t>2/19/2020</a:t>
             </a:fld>
             <a:endParaRPr lang="en-US"/>
           </a:p>
@@ -2353,7 +2354,7 @@
           <a:p>
             <a:fld id="{DBFDDC6D-30E6-4591-A5D6-EBA4A0A375E4}" type="datetimeFigureOut">
               <a:rPr lang="en-US" smtClean="0"/>
-              <a:t>2/18/2020</a:t>
+              <a:t>2/19/2020</a:t>
             </a:fld>
             <a:endParaRPr lang="en-US"/>
           </a:p>
@@ -2566,7 +2567,7 @@
           <a:p>
             <a:fld id="{DBFDDC6D-30E6-4591-A5D6-EBA4A0A375E4}" type="datetimeFigureOut">
               <a:rPr lang="en-US" smtClean="0"/>
-              <a:t>2/18/2020</a:t>
+              <a:t>2/19/2020</a:t>
             </a:fld>
             <a:endParaRPr lang="en-US"/>
           </a:p>
@@ -3108,11 +3109,7 @@
             <a:pPr lvl="2"/>
             <a:r>
               <a:rPr lang="en-CA" smtClean="0"/>
-              <a:t>Scale Diagrams &amp; </a:t>
-            </a:r>
-            <a:r>
-              <a:rPr lang="en-CA" smtClean="0"/>
-              <a:t>Cosine-Sine </a:t>
+              <a:t>Scale Diagrams &amp; Cosine-Sine </a:t>
             </a:r>
             <a:r>
               <a:rPr lang="en-CA" dirty="0" smtClean="0"/>
@@ -3182,6 +3179,111 @@
   <p:clrMapOvr>
     <a:masterClrMapping/>
   </p:clrMapOvr>
+  <p:timing>
+    <p:tnLst>
+      <p:par>
+        <p:cTn id="1" dur="indefinite" restart="never" nodeType="tmRoot"/>
+      </p:par>
+    </p:tnLst>
+  </p:timing>
+</p:sld>
+</file>
+
+<file path=ppt/slides/slide2.xml><?xml version="1.0" encoding="utf-8"?>
+<p:sld xmlns:a="http://schemas.openxmlformats.org/drawingml/2006/main" xmlns:r="http://schemas.openxmlformats.org/officeDocument/2006/relationships" xmlns:p="http://schemas.openxmlformats.org/presentationml/2006/main">
+  <p:cSld>
+    <p:spTree>
+      <p:nvGrpSpPr>
+        <p:cNvPr id="1" name=""/>
+        <p:cNvGrpSpPr/>
+        <p:nvPr/>
+      </p:nvGrpSpPr>
+      <p:grpSpPr>
+        <a:xfrm>
+          <a:off x="0" y="0"/>
+          <a:ext cx="0" cy="0"/>
+          <a:chOff x="0" y="0"/>
+          <a:chExt cx="0" cy="0"/>
+        </a:xfrm>
+      </p:grpSpPr>
+      <p:sp>
+        <p:nvSpPr>
+          <p:cNvPr id="2" name="Title 1"/>
+          <p:cNvSpPr>
+            <a:spLocks noGrp="1"/>
+          </p:cNvSpPr>
+          <p:nvPr>
+            <p:ph type="title"/>
+          </p:nvPr>
+        </p:nvSpPr>
+        <p:spPr/>
+        <p:txBody>
+          <a:bodyPr/>
+          <a:lstStyle/>
+          <a:p>
+            <a:r>
+              <a:rPr lang="en-CA" dirty="0" smtClean="0"/>
+              <a:t>Chase Problem – Head Start</a:t>
+            </a:r>
+            <a:endParaRPr lang="en-US" dirty="0"/>
+          </a:p>
+        </p:txBody>
+      </p:sp>
+      <p:sp>
+        <p:nvSpPr>
+          <p:cNvPr id="3" name="Content Placeholder 2"/>
+          <p:cNvSpPr>
+            <a:spLocks noGrp="1"/>
+          </p:cNvSpPr>
+          <p:nvPr>
+            <p:ph idx="1"/>
+          </p:nvPr>
+        </p:nvSpPr>
+        <p:spPr/>
+        <p:txBody>
+          <a:bodyPr/>
+          <a:lstStyle/>
+          <a:p>
+            <a:r>
+              <a:rPr lang="en-US" dirty="0" smtClean="0"/>
+              <a:t>In </a:t>
+            </a:r>
+            <a:r>
+              <a:rPr lang="en-US" dirty="0"/>
+              <a:t>a swimming race, a father gives his 4-year old son a 10.0 second head-start. The pool is 25.0 meters long. The child swims at 0.80 m/s while the father swims at 1.20 m/sec.  Find the displacement at which the father catches up with the child.  											        </a:t>
+            </a:r>
+            <a:r>
+              <a:rPr lang="en-CA" b="1" i="1" dirty="0" err="1"/>
+              <a:t>Ans</a:t>
+            </a:r>
+            <a:r>
+              <a:rPr lang="en-CA" b="1" i="1" dirty="0"/>
+              <a:t>:  24.0 m [Forward]</a:t>
+            </a:r>
+            <a:endParaRPr lang="en-US" dirty="0"/>
+          </a:p>
+          <a:p>
+            <a:endParaRPr lang="en-US" dirty="0"/>
+          </a:p>
+        </p:txBody>
+      </p:sp>
+    </p:spTree>
+    <p:extLst>
+      <p:ext uri="{BB962C8B-B14F-4D97-AF65-F5344CB8AC3E}">
+        <p14:creationId xmlns:p14="http://schemas.microsoft.com/office/powerpoint/2010/main" val="1459358330"/>
+      </p:ext>
+    </p:extLst>
+  </p:cSld>
+  <p:clrMapOvr>
+    <a:masterClrMapping/>
+  </p:clrMapOvr>
+  <p:timing>
+    <p:tnLst>
+      <p:par>
+        <p:cTn id="1" dur="indefinite" restart="never" nodeType="tmRoot"/>
+      </p:par>
+    </p:tnLst>
+  </p:timing>
 </p:sld>
 </file>
 
